--- a/ppt 16-9/0658.赞美主耶稣.pptx
+++ b/ppt 16-9/0658.赞美主耶稣.pptx
@@ -5,7 +5,7 @@
     <p:sldMasterId id="2147483648" r:id="rId1"/>
   </p:sldMasterIdLst>
   <p:sldIdLst>
-    <p:sldId id="2461" r:id="rId2"/>
+    <p:sldId id="2462" r:id="rId2"/>
   </p:sldIdLst>
   <p:sldSz cx="12192000" cy="6858000"/>
   <p:notesSz cx="6858000" cy="9144000"/>
@@ -129,7 +129,7 @@
           <p:cNvPr id="2" name="标题 1">
             <a:extLst>
               <a:ext uri="{FF2B5EF4-FFF2-40B4-BE49-F238E27FC236}">
-                <a16:creationId xmlns:a16="http://schemas.microsoft.com/office/drawing/2014/main" id="{30B42ED4-DBEF-2EC9-D150-EBE25CD7718D}"/>
+                <a16:creationId xmlns:a16="http://schemas.microsoft.com/office/drawing/2014/main" id="{4D90E8C5-64D9-03BC-FD1B-8D4B68F942CA}"/>
               </a:ext>
             </a:extLst>
           </p:cNvPr>
@@ -166,7 +166,7 @@
           <p:cNvPr id="3" name="副标题 2">
             <a:extLst>
               <a:ext uri="{FF2B5EF4-FFF2-40B4-BE49-F238E27FC236}">
-                <a16:creationId xmlns:a16="http://schemas.microsoft.com/office/drawing/2014/main" id="{A138A368-DE05-7439-9711-85822BDFC3FD}"/>
+                <a16:creationId xmlns:a16="http://schemas.microsoft.com/office/drawing/2014/main" id="{95340F78-BD11-8911-B8D6-328D65AE56AF}"/>
               </a:ext>
             </a:extLst>
           </p:cNvPr>
@@ -236,7 +236,7 @@
           <p:cNvPr id="4" name="日期占位符 3">
             <a:extLst>
               <a:ext uri="{FF2B5EF4-FFF2-40B4-BE49-F238E27FC236}">
-                <a16:creationId xmlns:a16="http://schemas.microsoft.com/office/drawing/2014/main" id="{C14B641E-C2FA-E2C2-8371-B150BF3366E7}"/>
+                <a16:creationId xmlns:a16="http://schemas.microsoft.com/office/drawing/2014/main" id="{925018D0-CF1F-2D10-27D5-F56372D7F309}"/>
               </a:ext>
             </a:extLst>
           </p:cNvPr>
@@ -252,7 +252,7 @@
           <a:bodyPr/>
           <a:lstStyle/>
           <a:p>
-            <a:fld id="{7F2F536F-F08B-4BFC-98B4-03BF1149AD1B}" type="datetimeFigureOut">
+            <a:fld id="{AB8DA769-4EF4-4713-A506-E8FE58C5B188}" type="datetimeFigureOut">
               <a:rPr lang="zh-CN" altLang="en-US" smtClean="0"/>
               <a:t>2024/3/10</a:t>
             </a:fld>
@@ -265,7 +265,7 @@
           <p:cNvPr id="5" name="页脚占位符 4">
             <a:extLst>
               <a:ext uri="{FF2B5EF4-FFF2-40B4-BE49-F238E27FC236}">
-                <a16:creationId xmlns:a16="http://schemas.microsoft.com/office/drawing/2014/main" id="{11924FAB-1475-F4E8-82E4-A5B6F893DBF0}"/>
+                <a16:creationId xmlns:a16="http://schemas.microsoft.com/office/drawing/2014/main" id="{A68A1125-91D1-F31C-BEC7-483E7C83AC9E}"/>
               </a:ext>
             </a:extLst>
           </p:cNvPr>
@@ -290,7 +290,7 @@
           <p:cNvPr id="6" name="灯片编号占位符 5">
             <a:extLst>
               <a:ext uri="{FF2B5EF4-FFF2-40B4-BE49-F238E27FC236}">
-                <a16:creationId xmlns:a16="http://schemas.microsoft.com/office/drawing/2014/main" id="{D3049273-D647-A98B-2524-DAE0DFF097DD}"/>
+                <a16:creationId xmlns:a16="http://schemas.microsoft.com/office/drawing/2014/main" id="{14C39A06-AC5C-5B1A-FDB0-3EB2B7AAFEAE}"/>
               </a:ext>
             </a:extLst>
           </p:cNvPr>
@@ -306,7 +306,7 @@
           <a:bodyPr/>
           <a:lstStyle/>
           <a:p>
-            <a:fld id="{F8B17C01-50AC-4029-9F0C-161FE38EECBA}" type="slidenum">
+            <a:fld id="{FFBA79FC-1A65-4995-8F25-778F8AE56175}" type="slidenum">
               <a:rPr lang="zh-CN" altLang="en-US" smtClean="0"/>
               <a:t>‹#›</a:t>
             </a:fld>
@@ -317,7 +317,7 @@
     </p:spTree>
     <p:extLst>
       <p:ext uri="{BB962C8B-B14F-4D97-AF65-F5344CB8AC3E}">
-        <p14:creationId xmlns:p14="http://schemas.microsoft.com/office/powerpoint/2010/main" val="3854145648"/>
+        <p14:creationId xmlns:p14="http://schemas.microsoft.com/office/powerpoint/2010/main" val="2361134273"/>
       </p:ext>
     </p:extLst>
   </p:cSld>
@@ -349,7 +349,7 @@
           <p:cNvPr id="2" name="标题 1">
             <a:extLst>
               <a:ext uri="{FF2B5EF4-FFF2-40B4-BE49-F238E27FC236}">
-                <a16:creationId xmlns:a16="http://schemas.microsoft.com/office/drawing/2014/main" id="{A900EAB5-AF81-2F64-7339-B453865100D6}"/>
+                <a16:creationId xmlns:a16="http://schemas.microsoft.com/office/drawing/2014/main" id="{AA0E96BC-9663-BD98-75A9-07AEBABCDD7F}"/>
               </a:ext>
             </a:extLst>
           </p:cNvPr>
@@ -377,7 +377,7 @@
           <p:cNvPr id="3" name="竖排文字占位符 2">
             <a:extLst>
               <a:ext uri="{FF2B5EF4-FFF2-40B4-BE49-F238E27FC236}">
-                <a16:creationId xmlns:a16="http://schemas.microsoft.com/office/drawing/2014/main" id="{913A3034-2E07-7D53-8083-C0808A65DCCE}"/>
+                <a16:creationId xmlns:a16="http://schemas.microsoft.com/office/drawing/2014/main" id="{2594324A-391B-3766-61DB-FC004A5119C3}"/>
               </a:ext>
             </a:extLst>
           </p:cNvPr>
@@ -434,7 +434,7 @@
           <p:cNvPr id="4" name="日期占位符 3">
             <a:extLst>
               <a:ext uri="{FF2B5EF4-FFF2-40B4-BE49-F238E27FC236}">
-                <a16:creationId xmlns:a16="http://schemas.microsoft.com/office/drawing/2014/main" id="{78FDA024-6A8B-AA1D-BE8E-C43D9D981EC2}"/>
+                <a16:creationId xmlns:a16="http://schemas.microsoft.com/office/drawing/2014/main" id="{1659CB40-0F55-084C-10E9-B53A7AD44A6A}"/>
               </a:ext>
             </a:extLst>
           </p:cNvPr>
@@ -450,7 +450,7 @@
           <a:bodyPr/>
           <a:lstStyle/>
           <a:p>
-            <a:fld id="{7F2F536F-F08B-4BFC-98B4-03BF1149AD1B}" type="datetimeFigureOut">
+            <a:fld id="{AB8DA769-4EF4-4713-A506-E8FE58C5B188}" type="datetimeFigureOut">
               <a:rPr lang="zh-CN" altLang="en-US" smtClean="0"/>
               <a:t>2024/3/10</a:t>
             </a:fld>
@@ -463,7 +463,7 @@
           <p:cNvPr id="5" name="页脚占位符 4">
             <a:extLst>
               <a:ext uri="{FF2B5EF4-FFF2-40B4-BE49-F238E27FC236}">
-                <a16:creationId xmlns:a16="http://schemas.microsoft.com/office/drawing/2014/main" id="{C0FADACA-8CE5-8E22-CC73-59A44410EBA9}"/>
+                <a16:creationId xmlns:a16="http://schemas.microsoft.com/office/drawing/2014/main" id="{33968B95-3B99-DE80-5F6E-649BE1ED8693}"/>
               </a:ext>
             </a:extLst>
           </p:cNvPr>
@@ -488,7 +488,7 @@
           <p:cNvPr id="6" name="灯片编号占位符 5">
             <a:extLst>
               <a:ext uri="{FF2B5EF4-FFF2-40B4-BE49-F238E27FC236}">
-                <a16:creationId xmlns:a16="http://schemas.microsoft.com/office/drawing/2014/main" id="{11E075E8-34B5-4B4A-7A36-4EC5E3380326}"/>
+                <a16:creationId xmlns:a16="http://schemas.microsoft.com/office/drawing/2014/main" id="{C8D81691-E54D-3A9A-76F2-52968FE5C278}"/>
               </a:ext>
             </a:extLst>
           </p:cNvPr>
@@ -504,7 +504,7 @@
           <a:bodyPr/>
           <a:lstStyle/>
           <a:p>
-            <a:fld id="{F8B17C01-50AC-4029-9F0C-161FE38EECBA}" type="slidenum">
+            <a:fld id="{FFBA79FC-1A65-4995-8F25-778F8AE56175}" type="slidenum">
               <a:rPr lang="zh-CN" altLang="en-US" smtClean="0"/>
               <a:t>‹#›</a:t>
             </a:fld>
@@ -515,7 +515,7 @@
     </p:spTree>
     <p:extLst>
       <p:ext uri="{BB962C8B-B14F-4D97-AF65-F5344CB8AC3E}">
-        <p14:creationId xmlns:p14="http://schemas.microsoft.com/office/powerpoint/2010/main" val="1445095805"/>
+        <p14:creationId xmlns:p14="http://schemas.microsoft.com/office/powerpoint/2010/main" val="2406998944"/>
       </p:ext>
     </p:extLst>
   </p:cSld>
@@ -547,7 +547,7 @@
           <p:cNvPr id="2" name="竖排标题 1">
             <a:extLst>
               <a:ext uri="{FF2B5EF4-FFF2-40B4-BE49-F238E27FC236}">
-                <a16:creationId xmlns:a16="http://schemas.microsoft.com/office/drawing/2014/main" id="{6E7BA627-A286-C2F1-147B-CEEA5B330F59}"/>
+                <a16:creationId xmlns:a16="http://schemas.microsoft.com/office/drawing/2014/main" id="{98332490-00D9-8F43-25EE-2C0B649A62EE}"/>
               </a:ext>
             </a:extLst>
           </p:cNvPr>
@@ -580,7 +580,7 @@
           <p:cNvPr id="3" name="竖排文字占位符 2">
             <a:extLst>
               <a:ext uri="{FF2B5EF4-FFF2-40B4-BE49-F238E27FC236}">
-                <a16:creationId xmlns:a16="http://schemas.microsoft.com/office/drawing/2014/main" id="{6C11D690-EDC7-8DD1-09BD-BD280866F596}"/>
+                <a16:creationId xmlns:a16="http://schemas.microsoft.com/office/drawing/2014/main" id="{DC5E1644-54FE-D042-DE43-6A703D5E529F}"/>
               </a:ext>
             </a:extLst>
           </p:cNvPr>
@@ -642,7 +642,7 @@
           <p:cNvPr id="4" name="日期占位符 3">
             <a:extLst>
               <a:ext uri="{FF2B5EF4-FFF2-40B4-BE49-F238E27FC236}">
-                <a16:creationId xmlns:a16="http://schemas.microsoft.com/office/drawing/2014/main" id="{E084115B-E34E-1BB9-DE6C-0166C538B76D}"/>
+                <a16:creationId xmlns:a16="http://schemas.microsoft.com/office/drawing/2014/main" id="{9E597174-0250-FE67-21A6-ED1BCD8BD079}"/>
               </a:ext>
             </a:extLst>
           </p:cNvPr>
@@ -658,7 +658,7 @@
           <a:bodyPr/>
           <a:lstStyle/>
           <a:p>
-            <a:fld id="{7F2F536F-F08B-4BFC-98B4-03BF1149AD1B}" type="datetimeFigureOut">
+            <a:fld id="{AB8DA769-4EF4-4713-A506-E8FE58C5B188}" type="datetimeFigureOut">
               <a:rPr lang="zh-CN" altLang="en-US" smtClean="0"/>
               <a:t>2024/3/10</a:t>
             </a:fld>
@@ -671,7 +671,7 @@
           <p:cNvPr id="5" name="页脚占位符 4">
             <a:extLst>
               <a:ext uri="{FF2B5EF4-FFF2-40B4-BE49-F238E27FC236}">
-                <a16:creationId xmlns:a16="http://schemas.microsoft.com/office/drawing/2014/main" id="{A0023E2B-6331-697D-6AD4-DC30234CB2D0}"/>
+                <a16:creationId xmlns:a16="http://schemas.microsoft.com/office/drawing/2014/main" id="{7995D788-26DE-930F-86E1-E7F8B3FE31A5}"/>
               </a:ext>
             </a:extLst>
           </p:cNvPr>
@@ -696,7 +696,7 @@
           <p:cNvPr id="6" name="灯片编号占位符 5">
             <a:extLst>
               <a:ext uri="{FF2B5EF4-FFF2-40B4-BE49-F238E27FC236}">
-                <a16:creationId xmlns:a16="http://schemas.microsoft.com/office/drawing/2014/main" id="{782D0B87-69E3-591D-6568-7735B0140B10}"/>
+                <a16:creationId xmlns:a16="http://schemas.microsoft.com/office/drawing/2014/main" id="{2A92D01B-C0B2-1237-ECD3-6E57BA3931C5}"/>
               </a:ext>
             </a:extLst>
           </p:cNvPr>
@@ -712,7 +712,7 @@
           <a:bodyPr/>
           <a:lstStyle/>
           <a:p>
-            <a:fld id="{F8B17C01-50AC-4029-9F0C-161FE38EECBA}" type="slidenum">
+            <a:fld id="{FFBA79FC-1A65-4995-8F25-778F8AE56175}" type="slidenum">
               <a:rPr lang="zh-CN" altLang="en-US" smtClean="0"/>
               <a:t>‹#›</a:t>
             </a:fld>
@@ -723,7 +723,7 @@
     </p:spTree>
     <p:extLst>
       <p:ext uri="{BB962C8B-B14F-4D97-AF65-F5344CB8AC3E}">
-        <p14:creationId xmlns:p14="http://schemas.microsoft.com/office/powerpoint/2010/main" val="3370840827"/>
+        <p14:creationId xmlns:p14="http://schemas.microsoft.com/office/powerpoint/2010/main" val="4253831436"/>
       </p:ext>
     </p:extLst>
   </p:cSld>
@@ -755,7 +755,7 @@
           <p:cNvPr id="2" name="标题 1">
             <a:extLst>
               <a:ext uri="{FF2B5EF4-FFF2-40B4-BE49-F238E27FC236}">
-                <a16:creationId xmlns:a16="http://schemas.microsoft.com/office/drawing/2014/main" id="{35775AB4-BCD6-B864-9BA2-86DB169BD289}"/>
+                <a16:creationId xmlns:a16="http://schemas.microsoft.com/office/drawing/2014/main" id="{F06E98E8-2A4C-7882-F1FB-2A0C1F3D9D18}"/>
               </a:ext>
             </a:extLst>
           </p:cNvPr>
@@ -783,7 +783,7 @@
           <p:cNvPr id="3" name="内容占位符 2">
             <a:extLst>
               <a:ext uri="{FF2B5EF4-FFF2-40B4-BE49-F238E27FC236}">
-                <a16:creationId xmlns:a16="http://schemas.microsoft.com/office/drawing/2014/main" id="{17027F9E-B138-789F-1447-A70B4BD38508}"/>
+                <a16:creationId xmlns:a16="http://schemas.microsoft.com/office/drawing/2014/main" id="{BFFAC2F9-ABB4-D2C9-C6EA-975AA67DD9F5}"/>
               </a:ext>
             </a:extLst>
           </p:cNvPr>
@@ -840,7 +840,7 @@
           <p:cNvPr id="4" name="日期占位符 3">
             <a:extLst>
               <a:ext uri="{FF2B5EF4-FFF2-40B4-BE49-F238E27FC236}">
-                <a16:creationId xmlns:a16="http://schemas.microsoft.com/office/drawing/2014/main" id="{288372A2-229C-B3A3-95F6-DB19C69A2936}"/>
+                <a16:creationId xmlns:a16="http://schemas.microsoft.com/office/drawing/2014/main" id="{E511467E-46BB-0892-2DB6-166E42CD9DB0}"/>
               </a:ext>
             </a:extLst>
           </p:cNvPr>
@@ -856,7 +856,7 @@
           <a:bodyPr/>
           <a:lstStyle/>
           <a:p>
-            <a:fld id="{7F2F536F-F08B-4BFC-98B4-03BF1149AD1B}" type="datetimeFigureOut">
+            <a:fld id="{AB8DA769-4EF4-4713-A506-E8FE58C5B188}" type="datetimeFigureOut">
               <a:rPr lang="zh-CN" altLang="en-US" smtClean="0"/>
               <a:t>2024/3/10</a:t>
             </a:fld>
@@ -869,7 +869,7 @@
           <p:cNvPr id="5" name="页脚占位符 4">
             <a:extLst>
               <a:ext uri="{FF2B5EF4-FFF2-40B4-BE49-F238E27FC236}">
-                <a16:creationId xmlns:a16="http://schemas.microsoft.com/office/drawing/2014/main" id="{045689EB-3546-FB5C-43A5-D56C2942AC6E}"/>
+                <a16:creationId xmlns:a16="http://schemas.microsoft.com/office/drawing/2014/main" id="{004211F4-D5D6-24CB-B00A-5A0B772EC0DB}"/>
               </a:ext>
             </a:extLst>
           </p:cNvPr>
@@ -894,7 +894,7 @@
           <p:cNvPr id="6" name="灯片编号占位符 5">
             <a:extLst>
               <a:ext uri="{FF2B5EF4-FFF2-40B4-BE49-F238E27FC236}">
-                <a16:creationId xmlns:a16="http://schemas.microsoft.com/office/drawing/2014/main" id="{613C89FB-2D6C-D0E5-AE07-D858092CB1C2}"/>
+                <a16:creationId xmlns:a16="http://schemas.microsoft.com/office/drawing/2014/main" id="{9B9E6E5D-9F54-2EB9-D3B1-6E745ED179A9}"/>
               </a:ext>
             </a:extLst>
           </p:cNvPr>
@@ -910,7 +910,7 @@
           <a:bodyPr/>
           <a:lstStyle/>
           <a:p>
-            <a:fld id="{F8B17C01-50AC-4029-9F0C-161FE38EECBA}" type="slidenum">
+            <a:fld id="{FFBA79FC-1A65-4995-8F25-778F8AE56175}" type="slidenum">
               <a:rPr lang="zh-CN" altLang="en-US" smtClean="0"/>
               <a:t>‹#›</a:t>
             </a:fld>
@@ -921,7 +921,7 @@
     </p:spTree>
     <p:extLst>
       <p:ext uri="{BB962C8B-B14F-4D97-AF65-F5344CB8AC3E}">
-        <p14:creationId xmlns:p14="http://schemas.microsoft.com/office/powerpoint/2010/main" val="1401306791"/>
+        <p14:creationId xmlns:p14="http://schemas.microsoft.com/office/powerpoint/2010/main" val="2532100913"/>
       </p:ext>
     </p:extLst>
   </p:cSld>
@@ -953,7 +953,7 @@
           <p:cNvPr id="2" name="标题 1">
             <a:extLst>
               <a:ext uri="{FF2B5EF4-FFF2-40B4-BE49-F238E27FC236}">
-                <a16:creationId xmlns:a16="http://schemas.microsoft.com/office/drawing/2014/main" id="{9936E073-A679-F0A9-F8EE-44139CB4927F}"/>
+                <a16:creationId xmlns:a16="http://schemas.microsoft.com/office/drawing/2014/main" id="{13FB64BF-6487-FDE1-B102-BBF0798405C8}"/>
               </a:ext>
             </a:extLst>
           </p:cNvPr>
@@ -990,7 +990,7 @@
           <p:cNvPr id="3" name="文本占位符 2">
             <a:extLst>
               <a:ext uri="{FF2B5EF4-FFF2-40B4-BE49-F238E27FC236}">
-                <a16:creationId xmlns:a16="http://schemas.microsoft.com/office/drawing/2014/main" id="{5D4173F2-8A82-2335-79A7-E302C9D04254}"/>
+                <a16:creationId xmlns:a16="http://schemas.microsoft.com/office/drawing/2014/main" id="{8CF8A5E9-8A4B-2874-8F01-EDFC8EB1401F}"/>
               </a:ext>
             </a:extLst>
           </p:cNvPr>
@@ -1115,7 +1115,7 @@
           <p:cNvPr id="4" name="日期占位符 3">
             <a:extLst>
               <a:ext uri="{FF2B5EF4-FFF2-40B4-BE49-F238E27FC236}">
-                <a16:creationId xmlns:a16="http://schemas.microsoft.com/office/drawing/2014/main" id="{1C77800F-2B1D-51C4-A485-FB280533633F}"/>
+                <a16:creationId xmlns:a16="http://schemas.microsoft.com/office/drawing/2014/main" id="{E1F6FE1B-8A97-76EF-0009-0C2A1F136A2F}"/>
               </a:ext>
             </a:extLst>
           </p:cNvPr>
@@ -1131,7 +1131,7 @@
           <a:bodyPr/>
           <a:lstStyle/>
           <a:p>
-            <a:fld id="{7F2F536F-F08B-4BFC-98B4-03BF1149AD1B}" type="datetimeFigureOut">
+            <a:fld id="{AB8DA769-4EF4-4713-A506-E8FE58C5B188}" type="datetimeFigureOut">
               <a:rPr lang="zh-CN" altLang="en-US" smtClean="0"/>
               <a:t>2024/3/10</a:t>
             </a:fld>
@@ -1144,7 +1144,7 @@
           <p:cNvPr id="5" name="页脚占位符 4">
             <a:extLst>
               <a:ext uri="{FF2B5EF4-FFF2-40B4-BE49-F238E27FC236}">
-                <a16:creationId xmlns:a16="http://schemas.microsoft.com/office/drawing/2014/main" id="{65FAEA4F-5BF8-52B6-720F-99EF35DBC5D7}"/>
+                <a16:creationId xmlns:a16="http://schemas.microsoft.com/office/drawing/2014/main" id="{757D9B87-1339-FF1B-CDC2-3DBEF46DDF19}"/>
               </a:ext>
             </a:extLst>
           </p:cNvPr>
@@ -1169,7 +1169,7 @@
           <p:cNvPr id="6" name="灯片编号占位符 5">
             <a:extLst>
               <a:ext uri="{FF2B5EF4-FFF2-40B4-BE49-F238E27FC236}">
-                <a16:creationId xmlns:a16="http://schemas.microsoft.com/office/drawing/2014/main" id="{5FF51CEA-C6E1-B209-CEB5-D5B474BBFEA7}"/>
+                <a16:creationId xmlns:a16="http://schemas.microsoft.com/office/drawing/2014/main" id="{3F3EC249-FAB4-0D7B-E642-E38C80E0E390}"/>
               </a:ext>
             </a:extLst>
           </p:cNvPr>
@@ -1185,7 +1185,7 @@
           <a:bodyPr/>
           <a:lstStyle/>
           <a:p>
-            <a:fld id="{F8B17C01-50AC-4029-9F0C-161FE38EECBA}" type="slidenum">
+            <a:fld id="{FFBA79FC-1A65-4995-8F25-778F8AE56175}" type="slidenum">
               <a:rPr lang="zh-CN" altLang="en-US" smtClean="0"/>
               <a:t>‹#›</a:t>
             </a:fld>
@@ -1196,7 +1196,7 @@
     </p:spTree>
     <p:extLst>
       <p:ext uri="{BB962C8B-B14F-4D97-AF65-F5344CB8AC3E}">
-        <p14:creationId xmlns:p14="http://schemas.microsoft.com/office/powerpoint/2010/main" val="3769224665"/>
+        <p14:creationId xmlns:p14="http://schemas.microsoft.com/office/powerpoint/2010/main" val="426884534"/>
       </p:ext>
     </p:extLst>
   </p:cSld>
@@ -1228,7 +1228,7 @@
           <p:cNvPr id="2" name="标题 1">
             <a:extLst>
               <a:ext uri="{FF2B5EF4-FFF2-40B4-BE49-F238E27FC236}">
-                <a16:creationId xmlns:a16="http://schemas.microsoft.com/office/drawing/2014/main" id="{2BB0CEEE-B244-9E20-7A32-E9F9C58BDEEB}"/>
+                <a16:creationId xmlns:a16="http://schemas.microsoft.com/office/drawing/2014/main" id="{F41BAE56-E9C2-992B-768A-0DEC2AC20789}"/>
               </a:ext>
             </a:extLst>
           </p:cNvPr>
@@ -1256,7 +1256,7 @@
           <p:cNvPr id="3" name="内容占位符 2">
             <a:extLst>
               <a:ext uri="{FF2B5EF4-FFF2-40B4-BE49-F238E27FC236}">
-                <a16:creationId xmlns:a16="http://schemas.microsoft.com/office/drawing/2014/main" id="{2A61B6E9-FE53-EDEA-CDB8-D777DCE73CF3}"/>
+                <a16:creationId xmlns:a16="http://schemas.microsoft.com/office/drawing/2014/main" id="{841E6541-DEF3-1FCE-3151-5A7E4CB762D4}"/>
               </a:ext>
             </a:extLst>
           </p:cNvPr>
@@ -1318,7 +1318,7 @@
           <p:cNvPr id="4" name="内容占位符 3">
             <a:extLst>
               <a:ext uri="{FF2B5EF4-FFF2-40B4-BE49-F238E27FC236}">
-                <a16:creationId xmlns:a16="http://schemas.microsoft.com/office/drawing/2014/main" id="{DD9D7C46-E4C1-4D14-BABA-F1644A4A465F}"/>
+                <a16:creationId xmlns:a16="http://schemas.microsoft.com/office/drawing/2014/main" id="{3F0D1943-17C0-7B55-A4CF-8D8ADC8F7AB4}"/>
               </a:ext>
             </a:extLst>
           </p:cNvPr>
@@ -1380,7 +1380,7 @@
           <p:cNvPr id="5" name="日期占位符 4">
             <a:extLst>
               <a:ext uri="{FF2B5EF4-FFF2-40B4-BE49-F238E27FC236}">
-                <a16:creationId xmlns:a16="http://schemas.microsoft.com/office/drawing/2014/main" id="{035334FF-0E1C-921B-6AE0-39CD9AED885D}"/>
+                <a16:creationId xmlns:a16="http://schemas.microsoft.com/office/drawing/2014/main" id="{CDEBC862-2C8F-B5C9-B724-A4D88622B874}"/>
               </a:ext>
             </a:extLst>
           </p:cNvPr>
@@ -1396,7 +1396,7 @@
           <a:bodyPr/>
           <a:lstStyle/>
           <a:p>
-            <a:fld id="{7F2F536F-F08B-4BFC-98B4-03BF1149AD1B}" type="datetimeFigureOut">
+            <a:fld id="{AB8DA769-4EF4-4713-A506-E8FE58C5B188}" type="datetimeFigureOut">
               <a:rPr lang="zh-CN" altLang="en-US" smtClean="0"/>
               <a:t>2024/3/10</a:t>
             </a:fld>
@@ -1409,7 +1409,7 @@
           <p:cNvPr id="6" name="页脚占位符 5">
             <a:extLst>
               <a:ext uri="{FF2B5EF4-FFF2-40B4-BE49-F238E27FC236}">
-                <a16:creationId xmlns:a16="http://schemas.microsoft.com/office/drawing/2014/main" id="{08574340-D700-DEF0-D60C-CF0C88BEFB21}"/>
+                <a16:creationId xmlns:a16="http://schemas.microsoft.com/office/drawing/2014/main" id="{CDA9C30B-D0DB-C249-13F9-DA6737CAFD0C}"/>
               </a:ext>
             </a:extLst>
           </p:cNvPr>
@@ -1434,7 +1434,7 @@
           <p:cNvPr id="7" name="灯片编号占位符 6">
             <a:extLst>
               <a:ext uri="{FF2B5EF4-FFF2-40B4-BE49-F238E27FC236}">
-                <a16:creationId xmlns:a16="http://schemas.microsoft.com/office/drawing/2014/main" id="{19E1B14E-1873-C1B4-4AEE-048FE7E1285D}"/>
+                <a16:creationId xmlns:a16="http://schemas.microsoft.com/office/drawing/2014/main" id="{722F78BC-13BF-775D-074A-C44220B19826}"/>
               </a:ext>
             </a:extLst>
           </p:cNvPr>
@@ -1450,7 +1450,7 @@
           <a:bodyPr/>
           <a:lstStyle/>
           <a:p>
-            <a:fld id="{F8B17C01-50AC-4029-9F0C-161FE38EECBA}" type="slidenum">
+            <a:fld id="{FFBA79FC-1A65-4995-8F25-778F8AE56175}" type="slidenum">
               <a:rPr lang="zh-CN" altLang="en-US" smtClean="0"/>
               <a:t>‹#›</a:t>
             </a:fld>
@@ -1461,7 +1461,7 @@
     </p:spTree>
     <p:extLst>
       <p:ext uri="{BB962C8B-B14F-4D97-AF65-F5344CB8AC3E}">
-        <p14:creationId xmlns:p14="http://schemas.microsoft.com/office/powerpoint/2010/main" val="2946752649"/>
+        <p14:creationId xmlns:p14="http://schemas.microsoft.com/office/powerpoint/2010/main" val="3398759540"/>
       </p:ext>
     </p:extLst>
   </p:cSld>
@@ -1493,7 +1493,7 @@
           <p:cNvPr id="2" name="标题 1">
             <a:extLst>
               <a:ext uri="{FF2B5EF4-FFF2-40B4-BE49-F238E27FC236}">
-                <a16:creationId xmlns:a16="http://schemas.microsoft.com/office/drawing/2014/main" id="{DA6841FC-9C7F-6A67-F94B-F78C1F72F4EA}"/>
+                <a16:creationId xmlns:a16="http://schemas.microsoft.com/office/drawing/2014/main" id="{FE60289D-B120-156E-384D-2760465C3747}"/>
               </a:ext>
             </a:extLst>
           </p:cNvPr>
@@ -1526,7 +1526,7 @@
           <p:cNvPr id="3" name="文本占位符 2">
             <a:extLst>
               <a:ext uri="{FF2B5EF4-FFF2-40B4-BE49-F238E27FC236}">
-                <a16:creationId xmlns:a16="http://schemas.microsoft.com/office/drawing/2014/main" id="{C7330BDC-7234-4067-59B9-5146CB847CBA}"/>
+                <a16:creationId xmlns:a16="http://schemas.microsoft.com/office/drawing/2014/main" id="{D98B22CE-9651-01B6-CE74-D9ACAA86BA5C}"/>
               </a:ext>
             </a:extLst>
           </p:cNvPr>
@@ -1597,7 +1597,7 @@
           <p:cNvPr id="4" name="内容占位符 3">
             <a:extLst>
               <a:ext uri="{FF2B5EF4-FFF2-40B4-BE49-F238E27FC236}">
-                <a16:creationId xmlns:a16="http://schemas.microsoft.com/office/drawing/2014/main" id="{5FF8F062-7CFE-1E45-CC6F-EE9B1ADF7C62}"/>
+                <a16:creationId xmlns:a16="http://schemas.microsoft.com/office/drawing/2014/main" id="{217A9368-B2CA-812D-09FB-795EF4053995}"/>
               </a:ext>
             </a:extLst>
           </p:cNvPr>
@@ -1659,7 +1659,7 @@
           <p:cNvPr id="5" name="文本占位符 4">
             <a:extLst>
               <a:ext uri="{FF2B5EF4-FFF2-40B4-BE49-F238E27FC236}">
-                <a16:creationId xmlns:a16="http://schemas.microsoft.com/office/drawing/2014/main" id="{0BBCF7BB-7276-E761-DB14-30CDEB9BFFA2}"/>
+                <a16:creationId xmlns:a16="http://schemas.microsoft.com/office/drawing/2014/main" id="{81D7467A-9F68-2EFC-E386-04B7EC571727}"/>
               </a:ext>
             </a:extLst>
           </p:cNvPr>
@@ -1730,7 +1730,7 @@
           <p:cNvPr id="6" name="内容占位符 5">
             <a:extLst>
               <a:ext uri="{FF2B5EF4-FFF2-40B4-BE49-F238E27FC236}">
-                <a16:creationId xmlns:a16="http://schemas.microsoft.com/office/drawing/2014/main" id="{FE08254F-E846-91D4-041C-E10D3AA9EF96}"/>
+                <a16:creationId xmlns:a16="http://schemas.microsoft.com/office/drawing/2014/main" id="{3DFB5B6A-4D2B-E0C6-30F3-35357CD1E25C}"/>
               </a:ext>
             </a:extLst>
           </p:cNvPr>
@@ -1792,7 +1792,7 @@
           <p:cNvPr id="7" name="日期占位符 6">
             <a:extLst>
               <a:ext uri="{FF2B5EF4-FFF2-40B4-BE49-F238E27FC236}">
-                <a16:creationId xmlns:a16="http://schemas.microsoft.com/office/drawing/2014/main" id="{74783FB9-04BF-4F6B-5309-33AAC06A58BC}"/>
+                <a16:creationId xmlns:a16="http://schemas.microsoft.com/office/drawing/2014/main" id="{72B4CF9A-26EF-7024-4C4B-1EA5C97C9E22}"/>
               </a:ext>
             </a:extLst>
           </p:cNvPr>
@@ -1808,7 +1808,7 @@
           <a:bodyPr/>
           <a:lstStyle/>
           <a:p>
-            <a:fld id="{7F2F536F-F08B-4BFC-98B4-03BF1149AD1B}" type="datetimeFigureOut">
+            <a:fld id="{AB8DA769-4EF4-4713-A506-E8FE58C5B188}" type="datetimeFigureOut">
               <a:rPr lang="zh-CN" altLang="en-US" smtClean="0"/>
               <a:t>2024/3/10</a:t>
             </a:fld>
@@ -1821,7 +1821,7 @@
           <p:cNvPr id="8" name="页脚占位符 7">
             <a:extLst>
               <a:ext uri="{FF2B5EF4-FFF2-40B4-BE49-F238E27FC236}">
-                <a16:creationId xmlns:a16="http://schemas.microsoft.com/office/drawing/2014/main" id="{C80036C5-D4FB-7FF3-FFD1-FFFD2BC6B5A9}"/>
+                <a16:creationId xmlns:a16="http://schemas.microsoft.com/office/drawing/2014/main" id="{69AB0E67-829E-A727-3A46-AC013ABFDB4F}"/>
               </a:ext>
             </a:extLst>
           </p:cNvPr>
@@ -1846,7 +1846,7 @@
           <p:cNvPr id="9" name="灯片编号占位符 8">
             <a:extLst>
               <a:ext uri="{FF2B5EF4-FFF2-40B4-BE49-F238E27FC236}">
-                <a16:creationId xmlns:a16="http://schemas.microsoft.com/office/drawing/2014/main" id="{FBEF78A3-A106-D245-5828-DBDA10749318}"/>
+                <a16:creationId xmlns:a16="http://schemas.microsoft.com/office/drawing/2014/main" id="{F41BCE37-2BE2-736F-7952-1A5ED60EF0B8}"/>
               </a:ext>
             </a:extLst>
           </p:cNvPr>
@@ -1862,7 +1862,7 @@
           <a:bodyPr/>
           <a:lstStyle/>
           <a:p>
-            <a:fld id="{F8B17C01-50AC-4029-9F0C-161FE38EECBA}" type="slidenum">
+            <a:fld id="{FFBA79FC-1A65-4995-8F25-778F8AE56175}" type="slidenum">
               <a:rPr lang="zh-CN" altLang="en-US" smtClean="0"/>
               <a:t>‹#›</a:t>
             </a:fld>
@@ -1873,7 +1873,7 @@
     </p:spTree>
     <p:extLst>
       <p:ext uri="{BB962C8B-B14F-4D97-AF65-F5344CB8AC3E}">
-        <p14:creationId xmlns:p14="http://schemas.microsoft.com/office/powerpoint/2010/main" val="179347578"/>
+        <p14:creationId xmlns:p14="http://schemas.microsoft.com/office/powerpoint/2010/main" val="1345054443"/>
       </p:ext>
     </p:extLst>
   </p:cSld>
@@ -1905,7 +1905,7 @@
           <p:cNvPr id="2" name="标题 1">
             <a:extLst>
               <a:ext uri="{FF2B5EF4-FFF2-40B4-BE49-F238E27FC236}">
-                <a16:creationId xmlns:a16="http://schemas.microsoft.com/office/drawing/2014/main" id="{FCB73BEA-2F42-5AA1-18AE-B5CD15EED7DD}"/>
+                <a16:creationId xmlns:a16="http://schemas.microsoft.com/office/drawing/2014/main" id="{A9D7B96F-6857-F535-DF33-EAF5589642CD}"/>
               </a:ext>
             </a:extLst>
           </p:cNvPr>
@@ -1933,7 +1933,7 @@
           <p:cNvPr id="3" name="日期占位符 2">
             <a:extLst>
               <a:ext uri="{FF2B5EF4-FFF2-40B4-BE49-F238E27FC236}">
-                <a16:creationId xmlns:a16="http://schemas.microsoft.com/office/drawing/2014/main" id="{E06D4DA9-2F45-17B5-13A7-49EB0FB52319}"/>
+                <a16:creationId xmlns:a16="http://schemas.microsoft.com/office/drawing/2014/main" id="{E0A1568D-FAB2-4497-AB9B-29A962C7F8BF}"/>
               </a:ext>
             </a:extLst>
           </p:cNvPr>
@@ -1949,7 +1949,7 @@
           <a:bodyPr/>
           <a:lstStyle/>
           <a:p>
-            <a:fld id="{7F2F536F-F08B-4BFC-98B4-03BF1149AD1B}" type="datetimeFigureOut">
+            <a:fld id="{AB8DA769-4EF4-4713-A506-E8FE58C5B188}" type="datetimeFigureOut">
               <a:rPr lang="zh-CN" altLang="en-US" smtClean="0"/>
               <a:t>2024/3/10</a:t>
             </a:fld>
@@ -1962,7 +1962,7 @@
           <p:cNvPr id="4" name="页脚占位符 3">
             <a:extLst>
               <a:ext uri="{FF2B5EF4-FFF2-40B4-BE49-F238E27FC236}">
-                <a16:creationId xmlns:a16="http://schemas.microsoft.com/office/drawing/2014/main" id="{EFFC2C63-DD82-5744-E7B6-D774637299FB}"/>
+                <a16:creationId xmlns:a16="http://schemas.microsoft.com/office/drawing/2014/main" id="{14FE9F0B-03A7-2623-0FE2-BEAA08AC565B}"/>
               </a:ext>
             </a:extLst>
           </p:cNvPr>
@@ -1987,7 +1987,7 @@
           <p:cNvPr id="5" name="灯片编号占位符 4">
             <a:extLst>
               <a:ext uri="{FF2B5EF4-FFF2-40B4-BE49-F238E27FC236}">
-                <a16:creationId xmlns:a16="http://schemas.microsoft.com/office/drawing/2014/main" id="{05ACCC28-717E-F417-D150-2D7A2FF3639F}"/>
+                <a16:creationId xmlns:a16="http://schemas.microsoft.com/office/drawing/2014/main" id="{34E3F3DA-EBE4-6316-D78C-03A8DA1EBC04}"/>
               </a:ext>
             </a:extLst>
           </p:cNvPr>
@@ -2003,7 +2003,7 @@
           <a:bodyPr/>
           <a:lstStyle/>
           <a:p>
-            <a:fld id="{F8B17C01-50AC-4029-9F0C-161FE38EECBA}" type="slidenum">
+            <a:fld id="{FFBA79FC-1A65-4995-8F25-778F8AE56175}" type="slidenum">
               <a:rPr lang="zh-CN" altLang="en-US" smtClean="0"/>
               <a:t>‹#›</a:t>
             </a:fld>
@@ -2014,7 +2014,7 @@
     </p:spTree>
     <p:extLst>
       <p:ext uri="{BB962C8B-B14F-4D97-AF65-F5344CB8AC3E}">
-        <p14:creationId xmlns:p14="http://schemas.microsoft.com/office/powerpoint/2010/main" val="798775248"/>
+        <p14:creationId xmlns:p14="http://schemas.microsoft.com/office/powerpoint/2010/main" val="1389548492"/>
       </p:ext>
     </p:extLst>
   </p:cSld>
@@ -2046,7 +2046,7 @@
           <p:cNvPr id="2" name="日期占位符 1">
             <a:extLst>
               <a:ext uri="{FF2B5EF4-FFF2-40B4-BE49-F238E27FC236}">
-                <a16:creationId xmlns:a16="http://schemas.microsoft.com/office/drawing/2014/main" id="{70A405ED-46DC-6CB1-FEE3-A382D7DEEA0F}"/>
+                <a16:creationId xmlns:a16="http://schemas.microsoft.com/office/drawing/2014/main" id="{89A596A9-4524-1AE0-409E-AFF555B31B23}"/>
               </a:ext>
             </a:extLst>
           </p:cNvPr>
@@ -2062,7 +2062,7 @@
           <a:bodyPr/>
           <a:lstStyle/>
           <a:p>
-            <a:fld id="{7F2F536F-F08B-4BFC-98B4-03BF1149AD1B}" type="datetimeFigureOut">
+            <a:fld id="{AB8DA769-4EF4-4713-A506-E8FE58C5B188}" type="datetimeFigureOut">
               <a:rPr lang="zh-CN" altLang="en-US" smtClean="0"/>
               <a:t>2024/3/10</a:t>
             </a:fld>
@@ -2075,7 +2075,7 @@
           <p:cNvPr id="3" name="页脚占位符 2">
             <a:extLst>
               <a:ext uri="{FF2B5EF4-FFF2-40B4-BE49-F238E27FC236}">
-                <a16:creationId xmlns:a16="http://schemas.microsoft.com/office/drawing/2014/main" id="{EDA8ADD3-C9FE-E84D-1BA9-CA67B34BC72F}"/>
+                <a16:creationId xmlns:a16="http://schemas.microsoft.com/office/drawing/2014/main" id="{F0A9159D-FB5D-B3EF-31F2-4D8AEE8CEBEF}"/>
               </a:ext>
             </a:extLst>
           </p:cNvPr>
@@ -2100,7 +2100,7 @@
           <p:cNvPr id="4" name="灯片编号占位符 3">
             <a:extLst>
               <a:ext uri="{FF2B5EF4-FFF2-40B4-BE49-F238E27FC236}">
-                <a16:creationId xmlns:a16="http://schemas.microsoft.com/office/drawing/2014/main" id="{DD34FF4D-7DE6-2AED-DAD1-CB1CDE8C3D2B}"/>
+                <a16:creationId xmlns:a16="http://schemas.microsoft.com/office/drawing/2014/main" id="{6C2D743C-1F60-A170-885E-0BD3355F94E4}"/>
               </a:ext>
             </a:extLst>
           </p:cNvPr>
@@ -2116,7 +2116,7 @@
           <a:bodyPr/>
           <a:lstStyle/>
           <a:p>
-            <a:fld id="{F8B17C01-50AC-4029-9F0C-161FE38EECBA}" type="slidenum">
+            <a:fld id="{FFBA79FC-1A65-4995-8F25-778F8AE56175}" type="slidenum">
               <a:rPr lang="zh-CN" altLang="en-US" smtClean="0"/>
               <a:t>‹#›</a:t>
             </a:fld>
@@ -2127,7 +2127,7 @@
     </p:spTree>
     <p:extLst>
       <p:ext uri="{BB962C8B-B14F-4D97-AF65-F5344CB8AC3E}">
-        <p14:creationId xmlns:p14="http://schemas.microsoft.com/office/powerpoint/2010/main" val="1695705431"/>
+        <p14:creationId xmlns:p14="http://schemas.microsoft.com/office/powerpoint/2010/main" val="2866957311"/>
       </p:ext>
     </p:extLst>
   </p:cSld>
@@ -2159,7 +2159,7 @@
           <p:cNvPr id="2" name="标题 1">
             <a:extLst>
               <a:ext uri="{FF2B5EF4-FFF2-40B4-BE49-F238E27FC236}">
-                <a16:creationId xmlns:a16="http://schemas.microsoft.com/office/drawing/2014/main" id="{390FC8D4-109D-D899-D553-9E8D73860680}"/>
+                <a16:creationId xmlns:a16="http://schemas.microsoft.com/office/drawing/2014/main" id="{CFD6A0FD-1850-0855-5E06-07C5BC11C00F}"/>
               </a:ext>
             </a:extLst>
           </p:cNvPr>
@@ -2196,7 +2196,7 @@
           <p:cNvPr id="3" name="内容占位符 2">
             <a:extLst>
               <a:ext uri="{FF2B5EF4-FFF2-40B4-BE49-F238E27FC236}">
-                <a16:creationId xmlns:a16="http://schemas.microsoft.com/office/drawing/2014/main" id="{83DF75B8-796A-DB1D-AD38-DA323B5A0C3D}"/>
+                <a16:creationId xmlns:a16="http://schemas.microsoft.com/office/drawing/2014/main" id="{A9997EDD-2759-006A-9E9E-7E772391B032}"/>
               </a:ext>
             </a:extLst>
           </p:cNvPr>
@@ -2286,7 +2286,7 @@
           <p:cNvPr id="4" name="文本占位符 3">
             <a:extLst>
               <a:ext uri="{FF2B5EF4-FFF2-40B4-BE49-F238E27FC236}">
-                <a16:creationId xmlns:a16="http://schemas.microsoft.com/office/drawing/2014/main" id="{DF5FFBE7-9B01-5921-7E47-50E33553EFBD}"/>
+                <a16:creationId xmlns:a16="http://schemas.microsoft.com/office/drawing/2014/main" id="{0623A5C4-46A1-9E83-972A-B87B3C14A098}"/>
               </a:ext>
             </a:extLst>
           </p:cNvPr>
@@ -2357,7 +2357,7 @@
           <p:cNvPr id="5" name="日期占位符 4">
             <a:extLst>
               <a:ext uri="{FF2B5EF4-FFF2-40B4-BE49-F238E27FC236}">
-                <a16:creationId xmlns:a16="http://schemas.microsoft.com/office/drawing/2014/main" id="{91247749-BC3B-C176-BACE-26DBDF82A6C1}"/>
+                <a16:creationId xmlns:a16="http://schemas.microsoft.com/office/drawing/2014/main" id="{AF9D2F44-AF9F-FEA0-2FB7-F166005B7FD7}"/>
               </a:ext>
             </a:extLst>
           </p:cNvPr>
@@ -2373,7 +2373,7 @@
           <a:bodyPr/>
           <a:lstStyle/>
           <a:p>
-            <a:fld id="{7F2F536F-F08B-4BFC-98B4-03BF1149AD1B}" type="datetimeFigureOut">
+            <a:fld id="{AB8DA769-4EF4-4713-A506-E8FE58C5B188}" type="datetimeFigureOut">
               <a:rPr lang="zh-CN" altLang="en-US" smtClean="0"/>
               <a:t>2024/3/10</a:t>
             </a:fld>
@@ -2386,7 +2386,7 @@
           <p:cNvPr id="6" name="页脚占位符 5">
             <a:extLst>
               <a:ext uri="{FF2B5EF4-FFF2-40B4-BE49-F238E27FC236}">
-                <a16:creationId xmlns:a16="http://schemas.microsoft.com/office/drawing/2014/main" id="{A143FF12-8147-EFB1-127F-ED65A596C813}"/>
+                <a16:creationId xmlns:a16="http://schemas.microsoft.com/office/drawing/2014/main" id="{1B1BDE76-D588-324C-6FF2-C6947084B052}"/>
               </a:ext>
             </a:extLst>
           </p:cNvPr>
@@ -2411,7 +2411,7 @@
           <p:cNvPr id="7" name="灯片编号占位符 6">
             <a:extLst>
               <a:ext uri="{FF2B5EF4-FFF2-40B4-BE49-F238E27FC236}">
-                <a16:creationId xmlns:a16="http://schemas.microsoft.com/office/drawing/2014/main" id="{29AE0327-7D3C-8AAD-AD3F-9BFC9916CAA3}"/>
+                <a16:creationId xmlns:a16="http://schemas.microsoft.com/office/drawing/2014/main" id="{03CFE53B-8FDF-49C3-3E29-31C7E047AA71}"/>
               </a:ext>
             </a:extLst>
           </p:cNvPr>
@@ -2427,7 +2427,7 @@
           <a:bodyPr/>
           <a:lstStyle/>
           <a:p>
-            <a:fld id="{F8B17C01-50AC-4029-9F0C-161FE38EECBA}" type="slidenum">
+            <a:fld id="{FFBA79FC-1A65-4995-8F25-778F8AE56175}" type="slidenum">
               <a:rPr lang="zh-CN" altLang="en-US" smtClean="0"/>
               <a:t>‹#›</a:t>
             </a:fld>
@@ -2438,7 +2438,7 @@
     </p:spTree>
     <p:extLst>
       <p:ext uri="{BB962C8B-B14F-4D97-AF65-F5344CB8AC3E}">
-        <p14:creationId xmlns:p14="http://schemas.microsoft.com/office/powerpoint/2010/main" val="3155865169"/>
+        <p14:creationId xmlns:p14="http://schemas.microsoft.com/office/powerpoint/2010/main" val="4165373634"/>
       </p:ext>
     </p:extLst>
   </p:cSld>
@@ -2470,7 +2470,7 @@
           <p:cNvPr id="2" name="标题 1">
             <a:extLst>
               <a:ext uri="{FF2B5EF4-FFF2-40B4-BE49-F238E27FC236}">
-                <a16:creationId xmlns:a16="http://schemas.microsoft.com/office/drawing/2014/main" id="{37BFB053-2978-D5C9-49E2-7AB52C843EEC}"/>
+                <a16:creationId xmlns:a16="http://schemas.microsoft.com/office/drawing/2014/main" id="{2430FE05-1857-F878-E887-511CCCD1F449}"/>
               </a:ext>
             </a:extLst>
           </p:cNvPr>
@@ -2507,7 +2507,7 @@
           <p:cNvPr id="3" name="图片占位符 2">
             <a:extLst>
               <a:ext uri="{FF2B5EF4-FFF2-40B4-BE49-F238E27FC236}">
-                <a16:creationId xmlns:a16="http://schemas.microsoft.com/office/drawing/2014/main" id="{41F414C3-D42B-6FBB-6D56-F2F49249F68C}"/>
+                <a16:creationId xmlns:a16="http://schemas.microsoft.com/office/drawing/2014/main" id="{19270C0C-3DFC-E216-DD4F-C19FE8D5EA68}"/>
               </a:ext>
             </a:extLst>
           </p:cNvPr>
@@ -2574,7 +2574,7 @@
           <p:cNvPr id="4" name="文本占位符 3">
             <a:extLst>
               <a:ext uri="{FF2B5EF4-FFF2-40B4-BE49-F238E27FC236}">
-                <a16:creationId xmlns:a16="http://schemas.microsoft.com/office/drawing/2014/main" id="{9A063559-5740-71DA-CCAA-0FF66BDA0015}"/>
+                <a16:creationId xmlns:a16="http://schemas.microsoft.com/office/drawing/2014/main" id="{5E21C7F4-ECE8-E69E-9170-7984F3611F8E}"/>
               </a:ext>
             </a:extLst>
           </p:cNvPr>
@@ -2645,7 +2645,7 @@
           <p:cNvPr id="5" name="日期占位符 4">
             <a:extLst>
               <a:ext uri="{FF2B5EF4-FFF2-40B4-BE49-F238E27FC236}">
-                <a16:creationId xmlns:a16="http://schemas.microsoft.com/office/drawing/2014/main" id="{A2B23FDC-A5C8-07CC-C1F0-6D44F91B111D}"/>
+                <a16:creationId xmlns:a16="http://schemas.microsoft.com/office/drawing/2014/main" id="{52B7A91D-12DE-714B-8082-BA875FF2BB4B}"/>
               </a:ext>
             </a:extLst>
           </p:cNvPr>
@@ -2661,7 +2661,7 @@
           <a:bodyPr/>
           <a:lstStyle/>
           <a:p>
-            <a:fld id="{7F2F536F-F08B-4BFC-98B4-03BF1149AD1B}" type="datetimeFigureOut">
+            <a:fld id="{AB8DA769-4EF4-4713-A506-E8FE58C5B188}" type="datetimeFigureOut">
               <a:rPr lang="zh-CN" altLang="en-US" smtClean="0"/>
               <a:t>2024/3/10</a:t>
             </a:fld>
@@ -2674,7 +2674,7 @@
           <p:cNvPr id="6" name="页脚占位符 5">
             <a:extLst>
               <a:ext uri="{FF2B5EF4-FFF2-40B4-BE49-F238E27FC236}">
-                <a16:creationId xmlns:a16="http://schemas.microsoft.com/office/drawing/2014/main" id="{C143FD42-4627-54A1-5D50-4A6EF25A30BA}"/>
+                <a16:creationId xmlns:a16="http://schemas.microsoft.com/office/drawing/2014/main" id="{1369B8C0-D5C5-DB5B-1A33-E9C84BC1ABBF}"/>
               </a:ext>
             </a:extLst>
           </p:cNvPr>
@@ -2699,7 +2699,7 @@
           <p:cNvPr id="7" name="灯片编号占位符 6">
             <a:extLst>
               <a:ext uri="{FF2B5EF4-FFF2-40B4-BE49-F238E27FC236}">
-                <a16:creationId xmlns:a16="http://schemas.microsoft.com/office/drawing/2014/main" id="{875591DF-8E02-998F-35D3-9B042A8AD63A}"/>
+                <a16:creationId xmlns:a16="http://schemas.microsoft.com/office/drawing/2014/main" id="{88FD7D3D-68A4-536D-AA7D-55761E488881}"/>
               </a:ext>
             </a:extLst>
           </p:cNvPr>
@@ -2715,7 +2715,7 @@
           <a:bodyPr/>
           <a:lstStyle/>
           <a:p>
-            <a:fld id="{F8B17C01-50AC-4029-9F0C-161FE38EECBA}" type="slidenum">
+            <a:fld id="{FFBA79FC-1A65-4995-8F25-778F8AE56175}" type="slidenum">
               <a:rPr lang="zh-CN" altLang="en-US" smtClean="0"/>
               <a:t>‹#›</a:t>
             </a:fld>
@@ -2726,7 +2726,7 @@
     </p:spTree>
     <p:extLst>
       <p:ext uri="{BB962C8B-B14F-4D97-AF65-F5344CB8AC3E}">
-        <p14:creationId xmlns:p14="http://schemas.microsoft.com/office/powerpoint/2010/main" val="3065794252"/>
+        <p14:creationId xmlns:p14="http://schemas.microsoft.com/office/powerpoint/2010/main" val="2580393504"/>
       </p:ext>
     </p:extLst>
   </p:cSld>
@@ -2763,7 +2763,7 @@
           <p:cNvPr id="2" name="标题占位符 1">
             <a:extLst>
               <a:ext uri="{FF2B5EF4-FFF2-40B4-BE49-F238E27FC236}">
-                <a16:creationId xmlns:a16="http://schemas.microsoft.com/office/drawing/2014/main" id="{55C5BC9C-AF36-A980-4525-7A60A902EDE9}"/>
+                <a16:creationId xmlns:a16="http://schemas.microsoft.com/office/drawing/2014/main" id="{C4435BE7-B58D-3F83-D49F-0E89ED28AD3D}"/>
               </a:ext>
             </a:extLst>
           </p:cNvPr>
@@ -2801,7 +2801,7 @@
           <p:cNvPr id="3" name="文本占位符 2">
             <a:extLst>
               <a:ext uri="{FF2B5EF4-FFF2-40B4-BE49-F238E27FC236}">
-                <a16:creationId xmlns:a16="http://schemas.microsoft.com/office/drawing/2014/main" id="{B7308951-8396-2412-B92E-366F6AAC732B}"/>
+                <a16:creationId xmlns:a16="http://schemas.microsoft.com/office/drawing/2014/main" id="{1E5EC417-D15D-4702-1BC8-89D1E41C4C18}"/>
               </a:ext>
             </a:extLst>
           </p:cNvPr>
@@ -2868,7 +2868,7 @@
           <p:cNvPr id="4" name="日期占位符 3">
             <a:extLst>
               <a:ext uri="{FF2B5EF4-FFF2-40B4-BE49-F238E27FC236}">
-                <a16:creationId xmlns:a16="http://schemas.microsoft.com/office/drawing/2014/main" id="{D2866B4F-7331-9615-4A6E-A11245201DEC}"/>
+                <a16:creationId xmlns:a16="http://schemas.microsoft.com/office/drawing/2014/main" id="{31D6B119-75E4-C5C2-28BA-B044F3AAC327}"/>
               </a:ext>
             </a:extLst>
           </p:cNvPr>
@@ -2902,7 +2902,7 @@
             </a:lvl1pPr>
           </a:lstStyle>
           <a:p>
-            <a:fld id="{7F2F536F-F08B-4BFC-98B4-03BF1149AD1B}" type="datetimeFigureOut">
+            <a:fld id="{AB8DA769-4EF4-4713-A506-E8FE58C5B188}" type="datetimeFigureOut">
               <a:rPr lang="zh-CN" altLang="en-US" smtClean="0"/>
               <a:t>2024/3/10</a:t>
             </a:fld>
@@ -2915,7 +2915,7 @@
           <p:cNvPr id="5" name="页脚占位符 4">
             <a:extLst>
               <a:ext uri="{FF2B5EF4-FFF2-40B4-BE49-F238E27FC236}">
-                <a16:creationId xmlns:a16="http://schemas.microsoft.com/office/drawing/2014/main" id="{7E59EE36-D7C0-47FD-C1E1-CA41D635D0D4}"/>
+                <a16:creationId xmlns:a16="http://schemas.microsoft.com/office/drawing/2014/main" id="{0326BE8D-AFD2-B579-A5D2-A1C6E294167E}"/>
               </a:ext>
             </a:extLst>
           </p:cNvPr>
@@ -2958,7 +2958,7 @@
           <p:cNvPr id="6" name="灯片编号占位符 5">
             <a:extLst>
               <a:ext uri="{FF2B5EF4-FFF2-40B4-BE49-F238E27FC236}">
-                <a16:creationId xmlns:a16="http://schemas.microsoft.com/office/drawing/2014/main" id="{DD004201-EAC6-CCFA-23A3-D910A75200CB}"/>
+                <a16:creationId xmlns:a16="http://schemas.microsoft.com/office/drawing/2014/main" id="{FC20C129-FA15-0B36-E951-4277CC436BB1}"/>
               </a:ext>
             </a:extLst>
           </p:cNvPr>
@@ -2992,7 +2992,7 @@
             </a:lvl1pPr>
           </a:lstStyle>
           <a:p>
-            <a:fld id="{F8B17C01-50AC-4029-9F0C-161FE38EECBA}" type="slidenum">
+            <a:fld id="{FFBA79FC-1A65-4995-8F25-778F8AE56175}" type="slidenum">
               <a:rPr lang="zh-CN" altLang="en-US" smtClean="0"/>
               <a:t>‹#›</a:t>
             </a:fld>
@@ -3003,7 +3003,7 @@
     </p:spTree>
     <p:extLst>
       <p:ext uri="{BB962C8B-B14F-4D97-AF65-F5344CB8AC3E}">
-        <p14:creationId xmlns:p14="http://schemas.microsoft.com/office/powerpoint/2010/main" val="2796536254"/>
+        <p14:creationId xmlns:p14="http://schemas.microsoft.com/office/powerpoint/2010/main" val="2959160195"/>
       </p:ext>
     </p:extLst>
   </p:cSld>
@@ -3323,7 +3323,7 @@
       </p:grpSpPr>
       <p:pic>
         <p:nvPicPr>
-          <p:cNvPr id="673794" name="Picture 2" descr="657"/>
+          <p:cNvPr id="674818" name="Picture 2" descr="658"/>
           <p:cNvPicPr>
             <a:picLocks noChangeAspect="1" noChangeArrowheads="1"/>
           </p:cNvPicPr>
